--- a/Automated-document-system.pptx
+++ b/Automated-document-system.pptx
@@ -6,11 +6,12 @@
   </p:sldMasterIdLst>
   <p:sldIdLst>
     <p:sldId id="256" r:id="rId2"/>
-    <p:sldId id="257" r:id="rId3"/>
-    <p:sldId id="260" r:id="rId4"/>
-    <p:sldId id="258" r:id="rId5"/>
-    <p:sldId id="259" r:id="rId6"/>
-    <p:sldId id="261" r:id="rId7"/>
+    <p:sldId id="262" r:id="rId3"/>
+    <p:sldId id="257" r:id="rId4"/>
+    <p:sldId id="260" r:id="rId5"/>
+    <p:sldId id="258" r:id="rId6"/>
+    <p:sldId id="259" r:id="rId7"/>
+    <p:sldId id="261" r:id="rId8"/>
   </p:sldIdLst>
   <p:sldSz cx="12192000" cy="6858000"/>
   <p:notesSz cx="6858000" cy="9144000"/>
@@ -109,6 +110,11 @@
       </a:defRPr>
     </a:lvl9pPr>
   </p:defaultTextStyle>
+  <p:extLst>
+    <p:ext uri="{EFAFB233-063F-42B5-8137-9DF3F51BA10A}">
+      <p15:sldGuideLst xmlns:p15="http://schemas.microsoft.com/office/powerpoint/2012/main"/>
+    </p:ext>
+  </p:extLst>
 </p:presentation>
 </file>
 
@@ -261,7 +267,7 @@
           <a:p>
             <a:fld id="{379DBCA0-CFAB-3843-81D9-B9CB06D4D584}" type="datetimeFigureOut">
               <a:rPr lang="en-US" smtClean="0"/>
-              <a:t>7/1/25</a:t>
+              <a:t>7/2/25</a:t>
             </a:fld>
             <a:endParaRPr lang="en-US"/>
           </a:p>
@@ -461,7 +467,7 @@
           <a:p>
             <a:fld id="{379DBCA0-CFAB-3843-81D9-B9CB06D4D584}" type="datetimeFigureOut">
               <a:rPr lang="en-US" smtClean="0"/>
-              <a:t>7/1/25</a:t>
+              <a:t>7/2/25</a:t>
             </a:fld>
             <a:endParaRPr lang="en-US"/>
           </a:p>
@@ -671,7 +677,7 @@
           <a:p>
             <a:fld id="{379DBCA0-CFAB-3843-81D9-B9CB06D4D584}" type="datetimeFigureOut">
               <a:rPr lang="en-US" smtClean="0"/>
-              <a:t>7/1/25</a:t>
+              <a:t>7/2/25</a:t>
             </a:fld>
             <a:endParaRPr lang="en-US"/>
           </a:p>
@@ -871,7 +877,7 @@
           <a:p>
             <a:fld id="{379DBCA0-CFAB-3843-81D9-B9CB06D4D584}" type="datetimeFigureOut">
               <a:rPr lang="en-US" smtClean="0"/>
-              <a:t>7/1/25</a:t>
+              <a:t>7/2/25</a:t>
             </a:fld>
             <a:endParaRPr lang="en-US"/>
           </a:p>
@@ -1147,7 +1153,7 @@
           <a:p>
             <a:fld id="{379DBCA0-CFAB-3843-81D9-B9CB06D4D584}" type="datetimeFigureOut">
               <a:rPr lang="en-US" smtClean="0"/>
-              <a:t>7/1/25</a:t>
+              <a:t>7/2/25</a:t>
             </a:fld>
             <a:endParaRPr lang="en-US"/>
           </a:p>
@@ -1415,7 +1421,7 @@
           <a:p>
             <a:fld id="{379DBCA0-CFAB-3843-81D9-B9CB06D4D584}" type="datetimeFigureOut">
               <a:rPr lang="en-US" smtClean="0"/>
-              <a:t>7/1/25</a:t>
+              <a:t>7/2/25</a:t>
             </a:fld>
             <a:endParaRPr lang="en-US"/>
           </a:p>
@@ -1830,7 +1836,7 @@
           <a:p>
             <a:fld id="{379DBCA0-CFAB-3843-81D9-B9CB06D4D584}" type="datetimeFigureOut">
               <a:rPr lang="en-US" smtClean="0"/>
-              <a:t>7/1/25</a:t>
+              <a:t>7/2/25</a:t>
             </a:fld>
             <a:endParaRPr lang="en-US"/>
           </a:p>
@@ -1972,7 +1978,7 @@
           <a:p>
             <a:fld id="{379DBCA0-CFAB-3843-81D9-B9CB06D4D584}" type="datetimeFigureOut">
               <a:rPr lang="en-US" smtClean="0"/>
-              <a:t>7/1/25</a:t>
+              <a:t>7/2/25</a:t>
             </a:fld>
             <a:endParaRPr lang="en-US"/>
           </a:p>
@@ -2085,7 +2091,7 @@
           <a:p>
             <a:fld id="{379DBCA0-CFAB-3843-81D9-B9CB06D4D584}" type="datetimeFigureOut">
               <a:rPr lang="en-US" smtClean="0"/>
-              <a:t>7/1/25</a:t>
+              <a:t>7/2/25</a:t>
             </a:fld>
             <a:endParaRPr lang="en-US"/>
           </a:p>
@@ -2398,7 +2404,7 @@
           <a:p>
             <a:fld id="{379DBCA0-CFAB-3843-81D9-B9CB06D4D584}" type="datetimeFigureOut">
               <a:rPr lang="en-US" smtClean="0"/>
-              <a:t>7/1/25</a:t>
+              <a:t>7/2/25</a:t>
             </a:fld>
             <a:endParaRPr lang="en-US"/>
           </a:p>
@@ -2687,7 +2693,7 @@
           <a:p>
             <a:fld id="{379DBCA0-CFAB-3843-81D9-B9CB06D4D584}" type="datetimeFigureOut">
               <a:rPr lang="en-US" smtClean="0"/>
-              <a:t>7/1/25</a:t>
+              <a:t>7/2/25</a:t>
             </a:fld>
             <a:endParaRPr lang="en-US"/>
           </a:p>
@@ -2930,7 +2936,7 @@
           <a:p>
             <a:fld id="{379DBCA0-CFAB-3843-81D9-B9CB06D4D584}" type="datetimeFigureOut">
               <a:rPr lang="en-US" smtClean="0"/>
-              <a:t>7/1/25</a:t>
+              <a:t>7/2/25</a:t>
             </a:fld>
             <a:endParaRPr lang="en-US"/>
           </a:p>
@@ -3398,13 +3404,24 @@
         </p:nvSpPr>
         <p:spPr/>
         <p:txBody>
-          <a:bodyPr/>
-          <a:lstStyle/>
-          <a:p>
-            <a:r>
-              <a:rPr lang="en-IN" b="1" dirty="0"/>
-              <a:t>Workflow vs Agent Approach</a:t>
-            </a:r>
+          <a:bodyPr>
+            <a:normAutofit fontScale="70000" lnSpcReduction="20000"/>
+          </a:bodyPr>
+          <a:lstStyle/>
+          <a:p>
+            <a:endParaRPr lang="en-IN" dirty="0"/>
+          </a:p>
+          <a:p>
+            <a:r>
+              <a:rPr lang="en-IN" dirty="0"/>
+              <a:t>Transforming project documentation from manual chaos to intelligent automation</a:t>
+            </a:r>
+          </a:p>
+          <a:p>
+            <a:br>
+              <a:rPr lang="en-IN" dirty="0"/>
+            </a:br>
+            <a:endParaRPr lang="en-IN" dirty="0"/>
           </a:p>
           <a:p>
             <a:br>
@@ -3449,7 +3466,7 @@
           <p:cNvPr id="2" name="Title 1">
             <a:extLst>
               <a:ext uri="{FF2B5EF4-FFF2-40B4-BE49-F238E27FC236}">
-                <a16:creationId xmlns:a16="http://schemas.microsoft.com/office/drawing/2014/main" id="{E4E7313D-4E0A-B1A3-9C67-9AD162F0FA1E}"/>
+                <a16:creationId xmlns:a16="http://schemas.microsoft.com/office/drawing/2014/main" id="{B507DB08-2720-ACEF-51A1-9F2C1C561770}"/>
               </a:ext>
             </a:extLst>
           </p:cNvPr>
@@ -3462,16 +3479,13 @@
         </p:nvSpPr>
         <p:spPr/>
         <p:txBody>
-          <a:bodyPr>
-            <a:normAutofit/>
-          </a:bodyPr>
-          <a:lstStyle/>
-          <a:p>
-            <a:r>
-              <a:rPr lang="en-IN" b="1" dirty="0"/>
-              <a:t>Documentation challenges</a:t>
-            </a:r>
-            <a:endParaRPr lang="en-US" dirty="0"/>
+          <a:bodyPr/>
+          <a:lstStyle/>
+          <a:p>
+            <a:r>
+              <a:rPr lang="en-US" dirty="0"/>
+              <a:t>Automated Documentation Agent</a:t>
+            </a:r>
           </a:p>
         </p:txBody>
       </p:sp>
@@ -3480,7 +3494,7 @@
           <p:cNvPr id="3" name="Content Placeholder 2">
             <a:extLst>
               <a:ext uri="{FF2B5EF4-FFF2-40B4-BE49-F238E27FC236}">
-                <a16:creationId xmlns:a16="http://schemas.microsoft.com/office/drawing/2014/main" id="{E5F5FDD4-8EF5-73AD-4C03-9AFEC53D610B}"/>
+                <a16:creationId xmlns:a16="http://schemas.microsoft.com/office/drawing/2014/main" id="{0B4F499D-F572-7761-1E0E-B5993C2DBB1C}"/>
               </a:ext>
             </a:extLst>
           </p:cNvPr>
@@ -3493,56 +3507,48 @@
         </p:nvSpPr>
         <p:spPr/>
         <p:txBody>
-          <a:bodyPr>
-            <a:normAutofit/>
-          </a:bodyPr>
+          <a:bodyPr/>
           <a:lstStyle/>
           <a:p>
             <a:r>
               <a:rPr lang="en-IN" dirty="0"/>
-              <a:t>Manual documentation is time-consuming</a:t>
+              <a:t>Build an intelligent system that automatically generates comprehensive project documentation from multiple data sources</a:t>
             </a:r>
           </a:p>
           <a:p>
             <a:r>
               <a:rPr lang="en-IN" dirty="0"/>
-              <a:t>Documentation gets outdated quickly</a:t>
+              <a:t>Real-time documentation updates</a:t>
             </a:r>
           </a:p>
           <a:p>
             <a:r>
               <a:rPr lang="en-IN" dirty="0"/>
-              <a:t>Inconsistent formatting across projects</a:t>
+              <a:t>Consistent formatting standards</a:t>
             </a:r>
           </a:p>
           <a:p>
             <a:r>
               <a:rPr lang="en-IN" dirty="0"/>
-              <a:t>Missing context and relationships</a:t>
+              <a:t>Complete project visibility</a:t>
             </a:r>
           </a:p>
           <a:p>
             <a:r>
               <a:rPr lang="en-IN" dirty="0"/>
-              <a:t>No historical tracking of changes</a:t>
+              <a:t>Automated relationship mapping</a:t>
             </a:r>
           </a:p>
           <a:p>
             <a:r>
               <a:rPr lang="en-IN" dirty="0"/>
-              <a:t>No update details of ticket, bugs and human might forgot to add the required pieces and documentations</a:t>
+              <a:t>Version history and change tracking</a:t>
             </a:r>
           </a:p>
           <a:p>
             <a:pPr marL="0" indent="0">
               <a:buNone/>
             </a:pPr>
-            <a:br>
-              <a:rPr lang="en-IN" b="1" dirty="0"/>
-            </a:br>
-            <a:endParaRPr lang="en-IN" b="1" dirty="0"/>
-          </a:p>
-          <a:p>
             <a:endParaRPr lang="en-US" dirty="0"/>
           </a:p>
         </p:txBody>
@@ -3550,7 +3556,7 @@
     </p:spTree>
     <p:extLst>
       <p:ext uri="{BB962C8B-B14F-4D97-AF65-F5344CB8AC3E}">
-        <p14:creationId xmlns:p14="http://schemas.microsoft.com/office/powerpoint/2010/main" val="3201388737"/>
+        <p14:creationId xmlns:p14="http://schemas.microsoft.com/office/powerpoint/2010/main" val="2947607829"/>
       </p:ext>
     </p:extLst>
   </p:cSld>
@@ -3582,7 +3588,7 @@
           <p:cNvPr id="2" name="Title 1">
             <a:extLst>
               <a:ext uri="{FF2B5EF4-FFF2-40B4-BE49-F238E27FC236}">
-                <a16:creationId xmlns:a16="http://schemas.microsoft.com/office/drawing/2014/main" id="{C75CF7BD-C9FF-077B-F00D-415C82B71B94}"/>
+                <a16:creationId xmlns:a16="http://schemas.microsoft.com/office/drawing/2014/main" id="{E4E7313D-4E0A-B1A3-9C67-9AD162F0FA1E}"/>
               </a:ext>
             </a:extLst>
           </p:cNvPr>
@@ -3595,13 +3601,16 @@
         </p:nvSpPr>
         <p:spPr/>
         <p:txBody>
-          <a:bodyPr/>
-          <a:lstStyle/>
-          <a:p>
-            <a:r>
-              <a:rPr lang="en-US" dirty="0"/>
-              <a:t>Documentation workflow</a:t>
-            </a:r>
+          <a:bodyPr>
+            <a:normAutofit/>
+          </a:bodyPr>
+          <a:lstStyle/>
+          <a:p>
+            <a:r>
+              <a:rPr lang="en-IN" b="1" dirty="0"/>
+              <a:t>Documentation challenges</a:t>
+            </a:r>
+            <a:endParaRPr lang="en-US" dirty="0"/>
           </a:p>
         </p:txBody>
       </p:sp>
@@ -3610,7 +3619,7 @@
           <p:cNvPr id="3" name="Content Placeholder 2">
             <a:extLst>
               <a:ext uri="{FF2B5EF4-FFF2-40B4-BE49-F238E27FC236}">
-                <a16:creationId xmlns:a16="http://schemas.microsoft.com/office/drawing/2014/main" id="{83B16607-59D9-BB69-FB82-0FD86F5FFE53}"/>
+                <a16:creationId xmlns:a16="http://schemas.microsoft.com/office/drawing/2014/main" id="{E5F5FDD4-8EF5-73AD-4C03-9AFEC53D610B}"/>
               </a:ext>
             </a:extLst>
           </p:cNvPr>
@@ -3623,46 +3632,56 @@
         </p:nvSpPr>
         <p:spPr/>
         <p:txBody>
-          <a:bodyPr/>
+          <a:bodyPr>
+            <a:normAutofit/>
+          </a:bodyPr>
           <a:lstStyle/>
           <a:p>
             <a:r>
               <a:rPr lang="en-IN" dirty="0"/>
-              <a:t>Step 1: Data Collection</a:t>
+              <a:t>Manual documentation is time-consuming</a:t>
             </a:r>
           </a:p>
           <a:p>
             <a:r>
               <a:rPr lang="en-IN" dirty="0"/>
-              <a:t>Step 2: Analyse the data from different sources</a:t>
+              <a:t>Documentation gets outdated quickly</a:t>
             </a:r>
           </a:p>
           <a:p>
             <a:r>
               <a:rPr lang="en-IN" dirty="0"/>
-              <a:t>Step 3: Manual Writing of content</a:t>
+              <a:t>Inconsistent formatting across projects</a:t>
             </a:r>
           </a:p>
           <a:p>
             <a:r>
               <a:rPr lang="en-IN" dirty="0"/>
-              <a:t>Step 4: Document Generation</a:t>
+              <a:t>Missing context and relationships</a:t>
             </a:r>
           </a:p>
           <a:p>
             <a:r>
               <a:rPr lang="en-IN" dirty="0"/>
-              <a:t>Step 5: Publishing</a:t>
-            </a:r>
+              <a:t>No historical tracking of changes</a:t>
+            </a:r>
+          </a:p>
+          <a:p>
+            <a:r>
+              <a:rPr lang="en-IN" dirty="0"/>
+              <a:t>Ticket updates, bug details, and essential documentation are often missed or forgotten when handled manually.</a:t>
+            </a:r>
+          </a:p>
+          <a:p>
+            <a:pPr marL="0" indent="0">
+              <a:buNone/>
+            </a:pPr>
             <a:br>
-              <a:rPr lang="en-IN" dirty="0"/>
+              <a:rPr lang="en-IN" b="1" dirty="0"/>
             </a:br>
-            <a:br>
-              <a:rPr lang="en-IN" dirty="0"/>
-            </a:br>
-            <a:br>
-              <a:rPr lang="en-IN" dirty="0"/>
-            </a:br>
+            <a:endParaRPr lang="en-IN" b="1" dirty="0"/>
+          </a:p>
+          <a:p>
             <a:endParaRPr lang="en-US" dirty="0"/>
           </a:p>
         </p:txBody>
@@ -3670,7 +3689,7 @@
     </p:spTree>
     <p:extLst>
       <p:ext uri="{BB962C8B-B14F-4D97-AF65-F5344CB8AC3E}">
-        <p14:creationId xmlns:p14="http://schemas.microsoft.com/office/powerpoint/2010/main" val="1787344311"/>
+        <p14:creationId xmlns:p14="http://schemas.microsoft.com/office/powerpoint/2010/main" val="3201388737"/>
       </p:ext>
     </p:extLst>
   </p:cSld>
@@ -3702,7 +3721,7 @@
           <p:cNvPr id="2" name="Title 1">
             <a:extLst>
               <a:ext uri="{FF2B5EF4-FFF2-40B4-BE49-F238E27FC236}">
-                <a16:creationId xmlns:a16="http://schemas.microsoft.com/office/drawing/2014/main" id="{E25E2306-5F27-B28B-F8E2-888EFB636495}"/>
+                <a16:creationId xmlns:a16="http://schemas.microsoft.com/office/drawing/2014/main" id="{C75CF7BD-C9FF-077B-F00D-415C82B71B94}"/>
               </a:ext>
             </a:extLst>
           </p:cNvPr>
@@ -3720,7 +3739,7 @@
           <a:p>
             <a:r>
               <a:rPr lang="en-US" dirty="0"/>
-              <a:t>Automated Documentation Approach</a:t>
+              <a:t>Documentation workflow</a:t>
             </a:r>
           </a:p>
         </p:txBody>
@@ -3730,7 +3749,7 @@
           <p:cNvPr id="3" name="Content Placeholder 2">
             <a:extLst>
               <a:ext uri="{FF2B5EF4-FFF2-40B4-BE49-F238E27FC236}">
-                <a16:creationId xmlns:a16="http://schemas.microsoft.com/office/drawing/2014/main" id="{EC59B864-123A-4E63-B4F4-6D13C8ABA0DF}"/>
+                <a16:creationId xmlns:a16="http://schemas.microsoft.com/office/drawing/2014/main" id="{83B16607-59D9-BB69-FB82-0FD86F5FFE53}"/>
               </a:ext>
             </a:extLst>
           </p:cNvPr>
@@ -3748,53 +3767,49 @@
           <a:p>
             <a:r>
               <a:rPr lang="en-IN" dirty="0"/>
-              <a:t>Real-time documentation updates</a:t>
+              <a:t>Step 1: Data Collection</a:t>
             </a:r>
           </a:p>
           <a:p>
             <a:r>
               <a:rPr lang="en-IN" dirty="0"/>
-              <a:t>Consistent formatting standards</a:t>
+              <a:t>Step 2: Analyse the data from different sources</a:t>
             </a:r>
           </a:p>
           <a:p>
             <a:r>
               <a:rPr lang="en-IN" dirty="0"/>
-              <a:t>Complete project visibility</a:t>
+              <a:t>Step 3: Manual Writing of content</a:t>
             </a:r>
           </a:p>
           <a:p>
             <a:r>
               <a:rPr lang="en-IN" dirty="0"/>
-              <a:t>Automated relationship mapping</a:t>
+              <a:t>Step 4: Document Generation</a:t>
             </a:r>
           </a:p>
           <a:p>
             <a:r>
               <a:rPr lang="en-IN" dirty="0"/>
-              <a:t>Version history and change tracking</a:t>
-            </a:r>
-          </a:p>
-          <a:p>
-            <a:r>
-              <a:rPr lang="en-US" dirty="0"/>
-              <a:t>We can even have this agent </a:t>
-            </a:r>
-            <a:r>
-              <a:rPr lang="en-US" dirty="0" err="1"/>
-              <a:t>analyse</a:t>
-            </a:r>
-            <a:r>
-              <a:rPr lang="en-US" dirty="0"/>
-              <a:t> the existing project codebase and infrastructure, as well as Jira tickets, to create a comprehensive documentation of the project.</a:t>
-            </a:r>
+              <a:t>Step 5: Publishing</a:t>
+            </a:r>
+            <a:br>
+              <a:rPr lang="en-IN" dirty="0"/>
+            </a:br>
+            <a:br>
+              <a:rPr lang="en-IN" dirty="0"/>
+            </a:br>
+            <a:br>
+              <a:rPr lang="en-IN" dirty="0"/>
+            </a:br>
+            <a:endParaRPr lang="en-US" dirty="0"/>
           </a:p>
         </p:txBody>
       </p:sp>
     </p:spTree>
     <p:extLst>
       <p:ext uri="{BB962C8B-B14F-4D97-AF65-F5344CB8AC3E}">
-        <p14:creationId xmlns:p14="http://schemas.microsoft.com/office/powerpoint/2010/main" val="3164702419"/>
+        <p14:creationId xmlns:p14="http://schemas.microsoft.com/office/powerpoint/2010/main" val="1787344311"/>
       </p:ext>
     </p:extLst>
   </p:cSld>
@@ -3826,7 +3841,7 @@
           <p:cNvPr id="2" name="Title 1">
             <a:extLst>
               <a:ext uri="{FF2B5EF4-FFF2-40B4-BE49-F238E27FC236}">
-                <a16:creationId xmlns:a16="http://schemas.microsoft.com/office/drawing/2014/main" id="{412DA47A-11EE-D978-27F1-2A6833507E89}"/>
+                <a16:creationId xmlns:a16="http://schemas.microsoft.com/office/drawing/2014/main" id="{E25E2306-5F27-B28B-F8E2-888EFB636495}"/>
               </a:ext>
             </a:extLst>
           </p:cNvPr>
@@ -3844,7 +3859,7 @@
           <a:p>
             <a:r>
               <a:rPr lang="en-US" dirty="0"/>
-              <a:t>Agent Based Approach</a:t>
+              <a:t>Automated Documentation Approach</a:t>
             </a:r>
           </a:p>
         </p:txBody>
@@ -3854,7 +3869,7 @@
           <p:cNvPr id="3" name="Content Placeholder 2">
             <a:extLst>
               <a:ext uri="{FF2B5EF4-FFF2-40B4-BE49-F238E27FC236}">
-                <a16:creationId xmlns:a16="http://schemas.microsoft.com/office/drawing/2014/main" id="{ECE4033A-A81F-C657-6D8B-54AA71F6C5BB}"/>
+                <a16:creationId xmlns:a16="http://schemas.microsoft.com/office/drawing/2014/main" id="{EC59B864-123A-4E63-B4F4-6D13C8ABA0DF}"/>
               </a:ext>
             </a:extLst>
           </p:cNvPr>
@@ -3867,62 +3882,50 @@
         </p:nvSpPr>
         <p:spPr/>
         <p:txBody>
-          <a:bodyPr>
-            <a:normAutofit fontScale="92500" lnSpcReduction="10000"/>
-          </a:bodyPr>
-          <a:lstStyle/>
+          <a:bodyPr/>
+          <a:lstStyle/>
+          <a:p>
+            <a:r>
+              <a:rPr lang="en-IN" dirty="0"/>
+              <a:t>Real-time documentation updates</a:t>
+            </a:r>
+          </a:p>
+          <a:p>
+            <a:r>
+              <a:rPr lang="en-IN" dirty="0"/>
+              <a:t>Consistent formatting standards</a:t>
+            </a:r>
+          </a:p>
+          <a:p>
+            <a:r>
+              <a:rPr lang="en-IN" dirty="0"/>
+              <a:t>Complete project visibility</a:t>
+            </a:r>
+          </a:p>
+          <a:p>
+            <a:r>
+              <a:rPr lang="en-IN" dirty="0"/>
+              <a:t>Automated relationship mapping</a:t>
+            </a:r>
+          </a:p>
+          <a:p>
+            <a:r>
+              <a:rPr lang="en-IN" dirty="0"/>
+              <a:t>Version history and change tracking</a:t>
+            </a:r>
+          </a:p>
           <a:p>
             <a:r>
               <a:rPr lang="en-US" dirty="0"/>
-              <a:t>LLM Agent:</a:t>
-            </a:r>
-          </a:p>
-          <a:p>
-            <a:pPr lvl="1"/>
-            <a:r>
-              <a:rPr lang="en-IN" dirty="0"/>
-              <a:t>Analyses the project context and decides:</a:t>
-            </a:r>
-          </a:p>
-          <a:p>
-            <a:pPr lvl="2"/>
-            <a:r>
-              <a:rPr lang="en-IN" dirty="0"/>
-              <a:t>What data to collect</a:t>
-            </a:r>
-          </a:p>
-          <a:p>
-            <a:pPr lvl="2"/>
-            <a:r>
-              <a:rPr lang="en-IN" dirty="0"/>
-              <a:t>Which tools to use</a:t>
-            </a:r>
-          </a:p>
-          <a:p>
-            <a:pPr lvl="2"/>
-            <a:r>
-              <a:rPr lang="en-IN" dirty="0"/>
-              <a:t>What documentation to generate</a:t>
-            </a:r>
-          </a:p>
-          <a:p>
-            <a:pPr lvl="2"/>
-            <a:r>
-              <a:rPr lang="en-IN" dirty="0"/>
-              <a:t>How to structure content</a:t>
-            </a:r>
-          </a:p>
-          <a:p>
-            <a:pPr lvl="1"/>
+              <a:t>We can even have this agent </a:t>
+            </a:r>
+            <a:r>
+              <a:rPr lang="en-US" dirty="0" err="1"/>
+              <a:t>analyse</a:t>
+            </a:r>
             <a:r>
               <a:rPr lang="en-US" dirty="0"/>
-              <a:t>We can attach different tools to help the LLM to collect the required data from the various sources</a:t>
-            </a:r>
-          </a:p>
-          <a:p>
-            <a:r>
-              <a:rPr lang="en-IN" dirty="0"/>
-              <a:t>The agent should be triggered automatically when a task, feature, or bug is marked as completed on the Jira board. It should then generate documentation summarising the work done on the ticket, using information such as commit messages, ticket details, comments, and other relevant data.</a:t>
+              <a:t> the existing project codebase and infrastructure, as well as Jira tickets, to create a comprehensive documentation of the project.</a:t>
             </a:r>
           </a:p>
         </p:txBody>
@@ -3930,7 +3933,7 @@
     </p:spTree>
     <p:extLst>
       <p:ext uri="{BB962C8B-B14F-4D97-AF65-F5344CB8AC3E}">
-        <p14:creationId xmlns:p14="http://schemas.microsoft.com/office/powerpoint/2010/main" val="4173881670"/>
+        <p14:creationId xmlns:p14="http://schemas.microsoft.com/office/powerpoint/2010/main" val="3164702419"/>
       </p:ext>
     </p:extLst>
   </p:cSld>
@@ -3962,6 +3965,142 @@
           <p:cNvPr id="2" name="Title 1">
             <a:extLst>
               <a:ext uri="{FF2B5EF4-FFF2-40B4-BE49-F238E27FC236}">
+                <a16:creationId xmlns:a16="http://schemas.microsoft.com/office/drawing/2014/main" id="{412DA47A-11EE-D978-27F1-2A6833507E89}"/>
+              </a:ext>
+            </a:extLst>
+          </p:cNvPr>
+          <p:cNvSpPr>
+            <a:spLocks noGrp="1"/>
+          </p:cNvSpPr>
+          <p:nvPr>
+            <p:ph type="title"/>
+          </p:nvPr>
+        </p:nvSpPr>
+        <p:spPr/>
+        <p:txBody>
+          <a:bodyPr/>
+          <a:lstStyle/>
+          <a:p>
+            <a:r>
+              <a:rPr lang="en-US" dirty="0"/>
+              <a:t>Agent Based Approach</a:t>
+            </a:r>
+          </a:p>
+        </p:txBody>
+      </p:sp>
+      <p:sp>
+        <p:nvSpPr>
+          <p:cNvPr id="3" name="Content Placeholder 2">
+            <a:extLst>
+              <a:ext uri="{FF2B5EF4-FFF2-40B4-BE49-F238E27FC236}">
+                <a16:creationId xmlns:a16="http://schemas.microsoft.com/office/drawing/2014/main" id="{ECE4033A-A81F-C657-6D8B-54AA71F6C5BB}"/>
+              </a:ext>
+            </a:extLst>
+          </p:cNvPr>
+          <p:cNvSpPr>
+            <a:spLocks noGrp="1"/>
+          </p:cNvSpPr>
+          <p:nvPr>
+            <p:ph idx="1"/>
+          </p:nvPr>
+        </p:nvSpPr>
+        <p:spPr/>
+        <p:txBody>
+          <a:bodyPr>
+            <a:normAutofit fontScale="92500" lnSpcReduction="10000"/>
+          </a:bodyPr>
+          <a:lstStyle/>
+          <a:p>
+            <a:r>
+              <a:rPr lang="en-US" dirty="0"/>
+              <a:t>LLM Agent:</a:t>
+            </a:r>
+          </a:p>
+          <a:p>
+            <a:pPr lvl="1"/>
+            <a:r>
+              <a:rPr lang="en-IN" dirty="0"/>
+              <a:t>Analyses the project context and decides:</a:t>
+            </a:r>
+          </a:p>
+          <a:p>
+            <a:pPr lvl="2"/>
+            <a:r>
+              <a:rPr lang="en-IN" dirty="0"/>
+              <a:t>What data to collect</a:t>
+            </a:r>
+          </a:p>
+          <a:p>
+            <a:pPr lvl="2"/>
+            <a:r>
+              <a:rPr lang="en-IN" dirty="0"/>
+              <a:t>Which tools to use</a:t>
+            </a:r>
+          </a:p>
+          <a:p>
+            <a:pPr lvl="2"/>
+            <a:r>
+              <a:rPr lang="en-IN" dirty="0"/>
+              <a:t>What documentation to generate</a:t>
+            </a:r>
+          </a:p>
+          <a:p>
+            <a:pPr lvl="2"/>
+            <a:r>
+              <a:rPr lang="en-IN" dirty="0"/>
+              <a:t>How to structure content</a:t>
+            </a:r>
+          </a:p>
+          <a:p>
+            <a:pPr lvl="1"/>
+            <a:r>
+              <a:rPr lang="en-US" dirty="0"/>
+              <a:t>We can attach different tools to help the LLM to collect the required data from the various sources</a:t>
+            </a:r>
+          </a:p>
+          <a:p>
+            <a:r>
+              <a:rPr lang="en-IN" dirty="0"/>
+              <a:t>The agent should be triggered automatically when a task, feature, or bug is marked as completed on the Jira board. It should then generate documentation summarising the work done on the ticket, using information such as commit messages, ticket details, comments, and other relevant data.</a:t>
+            </a:r>
+          </a:p>
+        </p:txBody>
+      </p:sp>
+    </p:spTree>
+    <p:extLst>
+      <p:ext uri="{BB962C8B-B14F-4D97-AF65-F5344CB8AC3E}">
+        <p14:creationId xmlns:p14="http://schemas.microsoft.com/office/powerpoint/2010/main" val="4173881670"/>
+      </p:ext>
+    </p:extLst>
+  </p:cSld>
+  <p:clrMapOvr>
+    <a:masterClrMapping/>
+  </p:clrMapOvr>
+</p:sld>
+</file>
+
+<file path=ppt/slides/slide7.xml><?xml version="1.0" encoding="utf-8"?>
+<p:sld xmlns:a="http://schemas.openxmlformats.org/drawingml/2006/main" xmlns:r="http://schemas.openxmlformats.org/officeDocument/2006/relationships" xmlns:p="http://schemas.openxmlformats.org/presentationml/2006/main">
+  <p:cSld>
+    <p:spTree>
+      <p:nvGrpSpPr>
+        <p:cNvPr id="1" name=""/>
+        <p:cNvGrpSpPr/>
+        <p:nvPr/>
+      </p:nvGrpSpPr>
+      <p:grpSpPr>
+        <a:xfrm>
+          <a:off x="0" y="0"/>
+          <a:ext cx="0" cy="0"/>
+          <a:chOff x="0" y="0"/>
+          <a:chExt cx="0" cy="0"/>
+        </a:xfrm>
+      </p:grpSpPr>
+      <p:sp>
+        <p:nvSpPr>
+          <p:cNvPr id="2" name="Title 1">
+            <a:extLst>
+              <a:ext uri="{FF2B5EF4-FFF2-40B4-BE49-F238E27FC236}">
                 <a16:creationId xmlns:a16="http://schemas.microsoft.com/office/drawing/2014/main" id="{46DFAF3B-1E00-539F-0006-7F9481B09D7F}"/>
               </a:ext>
             </a:extLst>
@@ -4014,15 +4153,7 @@
           <a:p>
             <a:r>
               <a:rPr lang="en-IN" dirty="0"/>
-              <a:t>The agent can </a:t>
-            </a:r>
-            <a:r>
-              <a:rPr lang="en-IN" dirty="0" err="1"/>
-              <a:t>analyze</a:t>
-            </a:r>
-            <a:r>
-              <a:rPr lang="en-IN" dirty="0"/>
-              <a:t> existing project resources to generate documentation from scratch and can also be integrated into ongoing projects.</a:t>
+              <a:t>The agent can analyse existing project resources to generate documentation from scratch and can also be integrated into ongoing projects.</a:t>
             </a:r>
           </a:p>
           <a:p>
